--- a/생각.pptx
+++ b/생각.pptx
@@ -123,6 +123,9 @@
           </p14:sldIdLst>
         </p14:section>
       </p14:sectionLst>
+    </p:ext>
+    <p:ext uri="{EFAFB233-063F-42B5-8137-9DF3F51BA10A}">
+      <p15:sldGuideLst xmlns:p15="http://schemas.microsoft.com/office/powerpoint/2012/main"/>
     </p:ext>
   </p:extLst>
 </p:presentation>
@@ -4350,7 +4353,7 @@
           <a:p>
             <a:r>
               <a:rPr lang="en-US" altLang="ko-KR" dirty="0"/>
-              <a:t>	&gt;&gt;&gt; </a:t>
+              <a:t>	&gt;&gt;&gt; ….</a:t>
             </a:r>
           </a:p>
         </p:txBody>
